--- a/Music Cover Quiz/Präsentation/MusicCoverQuiz_Präsentation.pptx
+++ b/Music Cover Quiz/Präsentation/MusicCoverQuiz_Präsentation.pptx
@@ -226,7 +226,7 @@
           <a:p>
             <a:fld id="{576D877E-CC59-4AB7-8A3A-9528B2A8D7D1}" type="datetimeFigureOut">
               <a:rPr lang="de-CH" smtClean="0"/>
-              <a:t>12.12.16</a:t>
+              <a:t>13.12.16</a:t>
             </a:fld>
             <a:endParaRPr lang="de-CH"/>
           </a:p>
@@ -391,7 +391,7 @@
           <a:p>
             <a:fld id="{20C4D1A1-B60D-3A4F-9D06-F403B7002C48}" type="datetimeFigureOut">
               <a:rPr lang="de-DE" smtClean="0"/>
-              <a:t>12.12.16</a:t>
+              <a:t>13.12.16</a:t>
             </a:fld>
             <a:endParaRPr lang="de-DE"/>
           </a:p>
@@ -978,7 +978,7 @@
             <a:fld id="{B61BEF0D-F0BB-DE4B-95CE-6DB70DBA9567}" type="datetimeFigureOut">
               <a:rPr lang="en-US" smtClean="0"/>
               <a:pPr/>
-              <a:t>12/12/16</a:t>
+              <a:t>12/13/16</a:t>
             </a:fld>
             <a:endParaRPr lang="en-US" dirty="0"/>
           </a:p>
@@ -1207,7 +1207,7 @@
             <a:fld id="{B61BEF0D-F0BB-DE4B-95CE-6DB70DBA9567}" type="datetimeFigureOut">
               <a:rPr lang="en-US" smtClean="0"/>
               <a:pPr/>
-              <a:t>12/12/16</a:t>
+              <a:t>12/13/16</a:t>
             </a:fld>
             <a:endParaRPr lang="en-US" dirty="0"/>
           </a:p>
@@ -1484,7 +1484,7 @@
             <a:fld id="{B61BEF0D-F0BB-DE4B-95CE-6DB70DBA9567}" type="datetimeFigureOut">
               <a:rPr lang="en-US" smtClean="0"/>
               <a:pPr/>
-              <a:t>12/12/16</a:t>
+              <a:t>12/13/16</a:t>
             </a:fld>
             <a:endParaRPr lang="en-US" dirty="0"/>
           </a:p>
@@ -1675,7 +1675,7 @@
             <a:fld id="{B61BEF0D-F0BB-DE4B-95CE-6DB70DBA9567}" type="datetimeFigureOut">
               <a:rPr lang="en-US" smtClean="0"/>
               <a:pPr/>
-              <a:t>12/12/16</a:t>
+              <a:t>12/13/16</a:t>
             </a:fld>
             <a:endParaRPr lang="en-US" dirty="0"/>
           </a:p>
@@ -2039,7 +2039,7 @@
             <a:fld id="{B61BEF0D-F0BB-DE4B-95CE-6DB70DBA9567}" type="datetimeFigureOut">
               <a:rPr lang="en-US" smtClean="0"/>
               <a:pPr/>
-              <a:t>12/12/16</a:t>
+              <a:t>12/13/16</a:t>
             </a:fld>
             <a:endParaRPr lang="en-US" dirty="0"/>
           </a:p>
@@ -2335,7 +2335,7 @@
             <a:fld id="{B61BEF0D-F0BB-DE4B-95CE-6DB70DBA9567}" type="datetimeFigureOut">
               <a:rPr lang="en-US" smtClean="0"/>
               <a:pPr/>
-              <a:t>12/12/16</a:t>
+              <a:t>12/13/16</a:t>
             </a:fld>
             <a:endParaRPr lang="en-US" dirty="0"/>
           </a:p>
@@ -2735,7 +2735,7 @@
             <a:fld id="{B61BEF0D-F0BB-DE4B-95CE-6DB70DBA9567}" type="datetimeFigureOut">
               <a:rPr lang="en-US" smtClean="0"/>
               <a:pPr/>
-              <a:t>12/12/16</a:t>
+              <a:t>12/13/16</a:t>
             </a:fld>
             <a:endParaRPr lang="en-US" dirty="0"/>
           </a:p>
@@ -2874,7 +2874,7 @@
             <a:fld id="{B61BEF0D-F0BB-DE4B-95CE-6DB70DBA9567}" type="datetimeFigureOut">
               <a:rPr lang="en-US" smtClean="0"/>
               <a:pPr/>
-              <a:t>12/12/16</a:t>
+              <a:t>12/13/16</a:t>
             </a:fld>
             <a:endParaRPr lang="en-US" dirty="0"/>
           </a:p>
@@ -3066,7 +3066,7 @@
             <a:fld id="{B61BEF0D-F0BB-DE4B-95CE-6DB70DBA9567}" type="datetimeFigureOut">
               <a:rPr lang="en-US" smtClean="0"/>
               <a:pPr/>
-              <a:t>12/12/16</a:t>
+              <a:t>12/13/16</a:t>
             </a:fld>
             <a:endParaRPr lang="en-US" dirty="0"/>
           </a:p>
@@ -3441,7 +3441,7 @@
             <a:fld id="{B61BEF0D-F0BB-DE4B-95CE-6DB70DBA9567}" type="datetimeFigureOut">
               <a:rPr lang="en-US" smtClean="0"/>
               <a:pPr/>
-              <a:t>12/12/16</a:t>
+              <a:t>12/13/16</a:t>
             </a:fld>
             <a:endParaRPr lang="en-US" dirty="0"/>
           </a:p>
@@ -3839,7 +3839,7 @@
             <a:fld id="{B61BEF0D-F0BB-DE4B-95CE-6DB70DBA9567}" type="datetimeFigureOut">
               <a:rPr lang="en-US" smtClean="0"/>
               <a:pPr/>
-              <a:t>12/12/16</a:t>
+              <a:t>12/13/16</a:t>
             </a:fld>
             <a:endParaRPr lang="en-US" dirty="0"/>
           </a:p>
@@ -4147,7 +4147,7 @@
             <a:fld id="{B61BEF0D-F0BB-DE4B-95CE-6DB70DBA9567}" type="datetimeFigureOut">
               <a:rPr lang="en-US" smtClean="0"/>
               <a:pPr/>
-              <a:t>12/12/16</a:t>
+              <a:t>12/13/16</a:t>
             </a:fld>
             <a:endParaRPr lang="en-US" dirty="0"/>
           </a:p>
@@ -4954,18 +4954,25 @@
   <p:clrMapOvr>
     <a:masterClrMapping/>
   </p:clrMapOvr>
-  <mc:AlternateContent xmlns:mc="http://schemas.openxmlformats.org/markup-compatibility/2006">
-    <mc:Choice xmlns:p14="http://schemas.microsoft.com/office/powerpoint/2010/main" Requires="p14">
+  <mc:AlternateContent xmlns:mc="http://schemas.openxmlformats.org/markup-compatibility/2006" xmlns:p14="http://schemas.microsoft.com/office/powerpoint/2010/main">
+    <mc:Choice Requires="p14">
       <p:transition spd="med" p14:dur="700">
         <p:fade/>
       </p:transition>
     </mc:Choice>
-    <mc:Fallback>
+    <mc:Fallback xmlns="">
       <p:transition spd="med">
         <p:fade/>
       </p:transition>
     </mc:Fallback>
   </mc:AlternateContent>
+  <p:timing>
+    <p:tnLst>
+      <p:par>
+        <p:cTn id="1" dur="indefinite" restart="never" nodeType="tmRoot"/>
+      </p:par>
+    </p:tnLst>
+  </p:timing>
 </p:sld>
 </file>
 
@@ -5095,18 +5102,25 @@
   <p:clrMapOvr>
     <a:masterClrMapping/>
   </p:clrMapOvr>
-  <mc:AlternateContent xmlns:mc="http://schemas.openxmlformats.org/markup-compatibility/2006">
-    <mc:Choice xmlns:p14="http://schemas.microsoft.com/office/powerpoint/2010/main" Requires="p14">
+  <mc:AlternateContent xmlns:mc="http://schemas.openxmlformats.org/markup-compatibility/2006" xmlns:p14="http://schemas.microsoft.com/office/powerpoint/2010/main">
+    <mc:Choice Requires="p14">
       <p:transition spd="med" p14:dur="700">
         <p:fade/>
       </p:transition>
     </mc:Choice>
-    <mc:Fallback>
+    <mc:Fallback xmlns="">
       <p:transition spd="med">
         <p:fade/>
       </p:transition>
     </mc:Fallback>
   </mc:AlternateContent>
+  <p:timing>
+    <p:tnLst>
+      <p:par>
+        <p:cTn id="1" dur="indefinite" restart="never" nodeType="tmRoot"/>
+      </p:par>
+    </p:tnLst>
+  </p:timing>
 </p:sld>
 </file>
 
@@ -5311,18 +5325,25 @@
   <p:clrMapOvr>
     <a:masterClrMapping/>
   </p:clrMapOvr>
-  <mc:AlternateContent xmlns:mc="http://schemas.openxmlformats.org/markup-compatibility/2006">
-    <mc:Choice xmlns:p14="http://schemas.microsoft.com/office/powerpoint/2010/main" Requires="p14">
+  <mc:AlternateContent xmlns:mc="http://schemas.openxmlformats.org/markup-compatibility/2006" xmlns:p14="http://schemas.microsoft.com/office/powerpoint/2010/main">
+    <mc:Choice Requires="p14">
       <p:transition spd="med" p14:dur="700">
         <p:fade/>
       </p:transition>
     </mc:Choice>
-    <mc:Fallback>
+    <mc:Fallback xmlns="">
       <p:transition spd="med">
         <p:fade/>
       </p:transition>
     </mc:Fallback>
   </mc:AlternateContent>
+  <p:timing>
+    <p:tnLst>
+      <p:par>
+        <p:cTn id="1" dur="indefinite" restart="never" nodeType="tmRoot"/>
+      </p:par>
+    </p:tnLst>
+  </p:timing>
 </p:sld>
 </file>
 
@@ -5370,25 +5391,35 @@
           </a:p>
         </p:txBody>
       </p:sp>
-      <p:sp>
-        <p:nvSpPr>
-          <p:cNvPr id="3" name="Inhaltsplatzhalter 2"/>
-          <p:cNvSpPr>
-            <a:spLocks noGrp="1"/>
-          </p:cNvSpPr>
+      <p:pic>
+        <p:nvPicPr>
+          <p:cNvPr id="4" name="Inhaltsplatzhalter 3"/>
+          <p:cNvPicPr>
+            <a:picLocks noGrp="1" noChangeAspect="1"/>
+          </p:cNvPicPr>
           <p:nvPr>
             <p:ph idx="1"/>
           </p:nvPr>
-        </p:nvSpPr>
-        <p:spPr/>
-        <p:txBody>
-          <a:bodyPr/>
-          <a:lstStyle/>
-          <a:p>
-            <a:endParaRPr lang="de-DE"/>
-          </a:p>
-        </p:txBody>
-      </p:sp>
+        </p:nvPicPr>
+        <p:blipFill>
+          <a:blip r:embed="rId2">
+            <a:extLst>
+              <a:ext uri="{28A0092B-C50C-407E-A947-70E740481C1C}">
+                <a14:useLocalDpi xmlns:a14="http://schemas.microsoft.com/office/drawing/2010/main" val="0"/>
+              </a:ext>
+            </a:extLst>
+          </a:blip>
+          <a:stretch>
+            <a:fillRect/>
+          </a:stretch>
+        </p:blipFill>
+        <p:spPr>
+          <a:xfrm>
+            <a:off x="1096963" y="2649107"/>
+            <a:ext cx="10058400" cy="2417037"/>
+          </a:xfrm>
+        </p:spPr>
+      </p:pic>
     </p:spTree>
     <p:extLst>
       <p:ext uri="{BB962C8B-B14F-4D97-AF65-F5344CB8AC3E}">
@@ -5399,18 +5430,25 @@
   <p:clrMapOvr>
     <a:masterClrMapping/>
   </p:clrMapOvr>
-  <mc:AlternateContent xmlns:mc="http://schemas.openxmlformats.org/markup-compatibility/2006">
-    <mc:Choice xmlns:p14="http://schemas.microsoft.com/office/powerpoint/2010/main" Requires="p14">
+  <mc:AlternateContent xmlns:mc="http://schemas.openxmlformats.org/markup-compatibility/2006" xmlns:p14="http://schemas.microsoft.com/office/powerpoint/2010/main">
+    <mc:Choice Requires="p14">
       <p:transition spd="med" p14:dur="700">
         <p:fade/>
       </p:transition>
     </mc:Choice>
-    <mc:Fallback>
+    <mc:Fallback xmlns="">
       <p:transition spd="med">
         <p:fade/>
       </p:transition>
     </mc:Fallback>
   </mc:AlternateContent>
+  <p:timing>
+    <p:tnLst>
+      <p:par>
+        <p:cTn id="1" dur="indefinite" restart="never" nodeType="tmRoot"/>
+      </p:par>
+    </p:tnLst>
+  </p:timing>
 </p:sld>
 </file>
 
@@ -6086,8 +6124,8 @@
         </p:nvSpPr>
         <p:spPr>
           <a:xfrm>
-            <a:off x="1" y="0"/>
-            <a:ext cx="4250724" cy="6858000"/>
+            <a:off x="0" y="0"/>
+            <a:ext cx="12191999" cy="6858000"/>
           </a:xfrm>
           <a:solidFill>
             <a:schemeClr val="tx1"/>
@@ -6190,11 +6228,7 @@
           <a:p>
             <a:r>
               <a:rPr lang="de-DE" dirty="0" smtClean="0"/>
-              <a:t>Projekt </a:t>
-            </a:r>
-            <a:r>
-              <a:rPr lang="de-DE" dirty="0" smtClean="0"/>
-              <a:t>vorstellen</a:t>
+              <a:t>Projekt vorstellen</a:t>
             </a:r>
           </a:p>
           <a:p>
@@ -6202,7 +6236,6 @@
               <a:rPr lang="de-DE" dirty="0" smtClean="0"/>
               <a:t>App-Demo</a:t>
             </a:r>
-            <a:endParaRPr lang="de-DE" dirty="0" smtClean="0"/>
           </a:p>
           <a:p>
             <a:r>
@@ -7925,11 +7958,7 @@
           <a:p>
             <a:r>
               <a:rPr lang="de-DE" dirty="0" smtClean="0"/>
-              <a:t>Persistente Datensicherung mit Hilfe von </a:t>
-            </a:r>
-            <a:r>
-              <a:rPr lang="de-DE" dirty="0" smtClean="0"/>
-              <a:t>Datei</a:t>
+              <a:t>Persistente Datensicherung mit Hilfe von Datei</a:t>
             </a:r>
           </a:p>
           <a:p>
@@ -8445,6 +8474,13 @@
       </p:transition>
     </mc:Fallback>
   </mc:AlternateContent>
+  <p:timing>
+    <p:tnLst>
+      <p:par>
+        <p:cTn id="1" dur="indefinite" restart="never" nodeType="tmRoot"/>
+      </p:par>
+    </p:tnLst>
+  </p:timing>
 </p:sld>
 </file>
 
@@ -8573,18 +8609,25 @@
   <p:clrMapOvr>
     <a:masterClrMapping/>
   </p:clrMapOvr>
-  <mc:AlternateContent xmlns:mc="http://schemas.openxmlformats.org/markup-compatibility/2006">
-    <mc:Choice xmlns:p14="http://schemas.microsoft.com/office/powerpoint/2010/main" Requires="p14">
+  <mc:AlternateContent xmlns:mc="http://schemas.openxmlformats.org/markup-compatibility/2006" xmlns:p14="http://schemas.microsoft.com/office/powerpoint/2010/main">
+    <mc:Choice Requires="p14">
       <p:transition spd="med" p14:dur="700">
         <p:fade/>
       </p:transition>
     </mc:Choice>
-    <mc:Fallback>
+    <mc:Fallback xmlns="">
       <p:transition spd="med">
         <p:fade/>
       </p:transition>
     </mc:Fallback>
   </mc:AlternateContent>
+  <p:timing>
+    <p:tnLst>
+      <p:par>
+        <p:cTn id="1" dur="indefinite" restart="never" nodeType="tmRoot"/>
+      </p:par>
+    </p:tnLst>
+  </p:timing>
 </p:sld>
 </file>
 
@@ -8671,18 +8714,25 @@
   <p:clrMapOvr>
     <a:masterClrMapping/>
   </p:clrMapOvr>
-  <mc:AlternateContent xmlns:mc="http://schemas.openxmlformats.org/markup-compatibility/2006">
-    <mc:Choice xmlns:p14="http://schemas.microsoft.com/office/powerpoint/2010/main" Requires="p14">
+  <mc:AlternateContent xmlns:mc="http://schemas.openxmlformats.org/markup-compatibility/2006" xmlns:p14="http://schemas.microsoft.com/office/powerpoint/2010/main">
+    <mc:Choice Requires="p14">
       <p:transition spd="med" p14:dur="700">
         <p:fade/>
       </p:transition>
     </mc:Choice>
-    <mc:Fallback>
+    <mc:Fallback xmlns="">
       <p:transition spd="med">
         <p:fade/>
       </p:transition>
     </mc:Fallback>
   </mc:AlternateContent>
+  <p:timing>
+    <p:tnLst>
+      <p:par>
+        <p:cTn id="1" dur="indefinite" restart="never" nodeType="tmRoot"/>
+      </p:par>
+    </p:tnLst>
+  </p:timing>
 </p:sld>
 </file>
 
